--- a/Git.pptx
+++ b/Git.pptx
@@ -751,7 +751,7 @@
           <a:graphicData uri="http://schemas.openxmlformats.org/presentationml/2006/ole">
             <mc:AlternateContent xmlns:mc="http://schemas.openxmlformats.org/markup-compatibility/2006">
               <mc:Choice xmlns:v="urn:schemas-microsoft-com:vml" Requires="v">
-                <p:oleObj spid="_x0000_s2083" name="think-cell Folie" r:id="rId6" imgW="270" imgH="270" progId="TCLayout.ActiveDocument.1">
+                <p:oleObj spid="_x0000_s2085" name="think-cell Folie" r:id="rId6" imgW="270" imgH="270" progId="TCLayout.ActiveDocument.1">
                   <p:embed/>
                 </p:oleObj>
               </mc:Choice>
@@ -22706,7 +22706,7 @@
           <a:graphicData uri="http://schemas.openxmlformats.org/presentationml/2006/ole">
             <mc:AlternateContent xmlns:mc="http://schemas.openxmlformats.org/markup-compatibility/2006">
               <mc:Choice xmlns:v="urn:schemas-microsoft-com:vml" Requires="v">
-                <p:oleObj spid="_x0000_s1063" name="think-cell Folie" r:id="rId4" imgW="270" imgH="270" progId="TCLayout.ActiveDocument.1">
+                <p:oleObj spid="_x0000_s1065" name="think-cell Folie" r:id="rId4" imgW="270" imgH="270" progId="TCLayout.ActiveDocument.1">
                   <p:embed/>
                 </p:oleObj>
               </mc:Choice>
@@ -43295,7 +43295,7 @@
       </p:sp>
       <p:sp>
         <p:nvSpPr>
-          <p:cNvPr id="4" name="Rechteck 3"/>
+          <p:cNvPr id="13" name="Rechteck 12"/>
           <p:cNvSpPr/>
           <p:nvPr>
             <p:custDataLst>
@@ -43355,7 +43355,7 @@
       </p:sp>
       <p:sp>
         <p:nvSpPr>
-          <p:cNvPr id="7" name="Rechteck 6"/>
+          <p:cNvPr id="14" name="Rechteck 13"/>
           <p:cNvSpPr/>
           <p:nvPr>
             <p:custDataLst>
@@ -43403,7 +43403,7 @@
       </p:sp>
       <p:sp>
         <p:nvSpPr>
-          <p:cNvPr id="8" name="Rechteck 7"/>
+          <p:cNvPr id="15" name="Rechteck 14"/>
           <p:cNvSpPr/>
           <p:nvPr>
             <p:custDataLst>
@@ -43464,7 +43464,7 @@
       </p:sp>
       <p:sp>
         <p:nvSpPr>
-          <p:cNvPr id="9" name="Rechteck 8"/>
+          <p:cNvPr id="16" name="Rechteck 15"/>
           <p:cNvSpPr/>
           <p:nvPr>
             <p:custDataLst>
@@ -43524,7 +43524,7 @@
       </p:sp>
       <p:sp>
         <p:nvSpPr>
-          <p:cNvPr id="10" name="Rechteck 9"/>
+          <p:cNvPr id="17" name="Rechteck 16"/>
           <p:cNvSpPr/>
           <p:nvPr>
             <p:custDataLst>
@@ -43572,7 +43572,7 @@
       </p:sp>
       <p:sp>
         <p:nvSpPr>
-          <p:cNvPr id="11" name="Rechteck 10"/>
+          <p:cNvPr id="18" name="Rechteck 17"/>
           <p:cNvSpPr/>
           <p:nvPr>
             <p:custDataLst>
@@ -43633,7 +43633,7 @@
       </p:sp>
       <p:sp>
         <p:nvSpPr>
-          <p:cNvPr id="12" name="Rechteck 11"/>
+          <p:cNvPr id="19" name="Rechteck 18"/>
           <p:cNvSpPr/>
           <p:nvPr>
             <p:custDataLst>
@@ -43695,7 +43695,7 @@
       </p:sp>
       <p:sp>
         <p:nvSpPr>
-          <p:cNvPr id="22" name="Rechteck 21"/>
+          <p:cNvPr id="20" name="Rechteck 19"/>
           <p:cNvSpPr/>
           <p:nvPr>
             <p:custDataLst>
@@ -43743,7 +43743,7 @@
       </p:sp>
       <p:sp>
         <p:nvSpPr>
-          <p:cNvPr id="23" name="Rechteck 22"/>
+          <p:cNvPr id="21" name="Rechteck 20"/>
           <p:cNvSpPr/>
           <p:nvPr>
             <p:custDataLst>
@@ -43806,7 +43806,7 @@
       </p:sp>
       <p:sp>
         <p:nvSpPr>
-          <p:cNvPr id="24" name="Rechteck 23"/>
+          <p:cNvPr id="27" name="Rechteck 26"/>
           <p:cNvSpPr/>
           <p:nvPr>
             <p:custDataLst>
@@ -43866,7 +43866,7 @@
       </p:sp>
       <p:sp>
         <p:nvSpPr>
-          <p:cNvPr id="25" name="Rechteck 24"/>
+          <p:cNvPr id="28" name="Rechteck 27"/>
           <p:cNvSpPr/>
           <p:nvPr>
             <p:custDataLst>
@@ -43914,7 +43914,7 @@
       </p:sp>
       <p:sp>
         <p:nvSpPr>
-          <p:cNvPr id="26" name="Rechteck 25"/>
+          <p:cNvPr id="29" name="Rechteck 28"/>
           <p:cNvSpPr/>
           <p:nvPr>
             <p:custDataLst>
@@ -43963,7 +43963,7 @@
                   <a:schemeClr val="accent4"/>
                 </a:solidFill>
               </a:rPr>
-              <a:t>20</a:t>
+              <a:t>18</a:t>
             </a:r>
             <a:endParaRPr lang="de-DE" sz="2000" dirty="0" err="1">
               <a:solidFill>
@@ -44455,7 +44455,7 @@
       </p:sp>
       <p:sp>
         <p:nvSpPr>
-          <p:cNvPr id="7" name="Rechteck 6"/>
+          <p:cNvPr id="4" name="Rechteck 3"/>
           <p:cNvSpPr/>
           <p:nvPr>
             <p:custDataLst>
@@ -44515,7 +44515,7 @@
       </p:sp>
       <p:sp>
         <p:nvSpPr>
-          <p:cNvPr id="8" name="Rechteck 7"/>
+          <p:cNvPr id="19" name="Rechteck 18"/>
           <p:cNvSpPr/>
           <p:nvPr>
             <p:custDataLst>
@@ -44563,7 +44563,7 @@
       </p:sp>
       <p:sp>
         <p:nvSpPr>
-          <p:cNvPr id="9" name="Rechteck 8"/>
+          <p:cNvPr id="20" name="Rechteck 19"/>
           <p:cNvSpPr/>
           <p:nvPr>
             <p:custDataLst>
@@ -44624,7 +44624,7 @@
       </p:sp>
       <p:sp>
         <p:nvSpPr>
-          <p:cNvPr id="10" name="Rechteck 9"/>
+          <p:cNvPr id="21" name="Rechteck 20"/>
           <p:cNvSpPr/>
           <p:nvPr>
             <p:custDataLst>
@@ -44684,7 +44684,7 @@
       </p:sp>
       <p:sp>
         <p:nvSpPr>
-          <p:cNvPr id="11" name="Rechteck 10"/>
+          <p:cNvPr id="22" name="Rechteck 21"/>
           <p:cNvSpPr/>
           <p:nvPr>
             <p:custDataLst>
@@ -44732,7 +44732,7 @@
       </p:sp>
       <p:sp>
         <p:nvSpPr>
-          <p:cNvPr id="12" name="Rechteck 11"/>
+          <p:cNvPr id="23" name="Rechteck 22"/>
           <p:cNvSpPr/>
           <p:nvPr>
             <p:custDataLst>
@@ -44793,7 +44793,7 @@
       </p:sp>
       <p:sp>
         <p:nvSpPr>
-          <p:cNvPr id="13" name="Rechteck 12"/>
+          <p:cNvPr id="24" name="Rechteck 23"/>
           <p:cNvSpPr/>
           <p:nvPr>
             <p:custDataLst>
@@ -44853,7 +44853,7 @@
       </p:sp>
       <p:sp>
         <p:nvSpPr>
-          <p:cNvPr id="14" name="Rechteck 13"/>
+          <p:cNvPr id="25" name="Rechteck 24"/>
           <p:cNvSpPr/>
           <p:nvPr>
             <p:custDataLst>
@@ -44901,7 +44901,7 @@
       </p:sp>
       <p:sp>
         <p:nvSpPr>
-          <p:cNvPr id="15" name="Rechteck 14"/>
+          <p:cNvPr id="26" name="Rechteck 25"/>
           <p:cNvSpPr/>
           <p:nvPr>
             <p:custDataLst>
@@ -44962,7 +44962,7 @@
       </p:sp>
       <p:sp>
         <p:nvSpPr>
-          <p:cNvPr id="16" name="Rechteck 15"/>
+          <p:cNvPr id="27" name="Rechteck 26"/>
           <p:cNvSpPr/>
           <p:nvPr>
             <p:custDataLst>
@@ -45024,7 +45024,7 @@
       </p:sp>
       <p:sp>
         <p:nvSpPr>
-          <p:cNvPr id="17" name="Rechteck 16"/>
+          <p:cNvPr id="28" name="Rechteck 27"/>
           <p:cNvSpPr/>
           <p:nvPr>
             <p:custDataLst>
@@ -45072,7 +45072,7 @@
       </p:sp>
       <p:sp>
         <p:nvSpPr>
-          <p:cNvPr id="18" name="Rechteck 17"/>
+          <p:cNvPr id="29" name="Rechteck 28"/>
           <p:cNvSpPr/>
           <p:nvPr>
             <p:custDataLst>
@@ -45123,7 +45123,7 @@
                   <a:schemeClr val="accent1"/>
                 </a:solidFill>
               </a:rPr>
-              <a:t>20</a:t>
+              <a:t>18</a:t>
             </a:r>
             <a:endParaRPr lang="de-DE" sz="2000" dirty="0" err="1">
               <a:solidFill>
@@ -45260,8 +45260,418 @@
         </p:blipFill>
         <p:spPr bwMode="auto">
           <a:xfrm>
-            <a:off x="911424" y="1412776"/>
-            <a:ext cx="2689793" cy="3456384"/>
+            <a:off x="581761" y="884239"/>
+            <a:ext cx="1532061" cy="1968698"/>
+          </a:xfrm>
+          <a:prstGeom prst="rect">
+            <a:avLst/>
+          </a:prstGeom>
+          <a:noFill/>
+          <a:extLst>
+            <a:ext uri="{909E8E84-426E-40DD-AFC4-6F175D3DCCD1}">
+              <a14:hiddenFill xmlns:a14="http://schemas.microsoft.com/office/drawing/2010/main">
+                <a:solidFill>
+                  <a:srgbClr val="FFFFFF"/>
+                </a:solidFill>
+              </a14:hiddenFill>
+            </a:ext>
+          </a:extLst>
+        </p:spPr>
+      </p:pic>
+      <p:pic>
+        <p:nvPicPr>
+          <p:cNvPr id="3076" name="Picture 4" descr="Datei:Subversion logo.svg"/>
+          <p:cNvPicPr>
+            <a:picLocks noChangeAspect="1" noChangeArrowheads="1"/>
+          </p:cNvPicPr>
+          <p:nvPr/>
+        </p:nvPicPr>
+        <p:blipFill>
+          <a:blip r:embed="rId3">
+            <a:extLst>
+              <a:ext uri="{28A0092B-C50C-407E-A947-70E740481C1C}">
+                <a14:useLocalDpi xmlns:a14="http://schemas.microsoft.com/office/drawing/2010/main" val="0"/>
+              </a:ext>
+            </a:extLst>
+          </a:blip>
+          <a:srcRect/>
+          <a:stretch>
+            <a:fillRect/>
+          </a:stretch>
+        </p:blipFill>
+        <p:spPr bwMode="auto">
+          <a:xfrm>
+            <a:off x="5189538" y="1340768"/>
+            <a:ext cx="6307062" cy="906641"/>
+          </a:xfrm>
+          <a:prstGeom prst="rect">
+            <a:avLst/>
+          </a:prstGeom>
+          <a:noFill/>
+          <a:extLst>
+            <a:ext uri="{909E8E84-426E-40DD-AFC4-6F175D3DCCD1}">
+              <a14:hiddenFill xmlns:a14="http://schemas.microsoft.com/office/drawing/2010/main">
+                <a:solidFill>
+                  <a:srgbClr val="FFFFFF"/>
+                </a:solidFill>
+              </a14:hiddenFill>
+            </a:ext>
+          </a:extLst>
+        </p:spPr>
+      </p:pic>
+      <p:pic>
+        <p:nvPicPr>
+          <p:cNvPr id="3078" name="Picture 6" descr="Bitkeeper-logo.png"/>
+          <p:cNvPicPr>
+            <a:picLocks noChangeAspect="1" noChangeArrowheads="1"/>
+          </p:cNvPicPr>
+          <p:nvPr/>
+        </p:nvPicPr>
+        <p:blipFill>
+          <a:blip r:embed="rId4">
+            <a:extLst>
+              <a:ext uri="{28A0092B-C50C-407E-A947-70E740481C1C}">
+                <a14:useLocalDpi xmlns:a14="http://schemas.microsoft.com/office/drawing/2010/main" val="0"/>
+              </a:ext>
+            </a:extLst>
+          </a:blip>
+          <a:srcRect/>
+          <a:stretch>
+            <a:fillRect/>
+          </a:stretch>
+        </p:blipFill>
+        <p:spPr bwMode="auto">
+          <a:xfrm>
+            <a:off x="4209281" y="2973030"/>
+            <a:ext cx="2571750" cy="666751"/>
+          </a:xfrm>
+          <a:prstGeom prst="rect">
+            <a:avLst/>
+          </a:prstGeom>
+          <a:noFill/>
+          <a:extLst>
+            <a:ext uri="{909E8E84-426E-40DD-AFC4-6F175D3DCCD1}">
+              <a14:hiddenFill xmlns:a14="http://schemas.microsoft.com/office/drawing/2010/main">
+                <a:solidFill>
+                  <a:srgbClr val="FFFFFF"/>
+                </a:solidFill>
+              </a14:hiddenFill>
+            </a:ext>
+          </a:extLst>
+        </p:spPr>
+      </p:pic>
+      <p:pic>
+        <p:nvPicPr>
+          <p:cNvPr id="3080" name="Picture 8" descr="Fossil SCM logo.svg"/>
+          <p:cNvPicPr>
+            <a:picLocks noChangeAspect="1" noChangeArrowheads="1"/>
+          </p:cNvPicPr>
+          <p:nvPr/>
+        </p:nvPicPr>
+        <p:blipFill>
+          <a:blip r:embed="rId5">
+            <a:extLst>
+              <a:ext uri="{28A0092B-C50C-407E-A947-70E740481C1C}">
+                <a14:useLocalDpi xmlns:a14="http://schemas.microsoft.com/office/drawing/2010/main" val="0"/>
+              </a:ext>
+            </a:extLst>
+          </a:blip>
+          <a:srcRect/>
+          <a:stretch>
+            <a:fillRect/>
+          </a:stretch>
+        </p:blipFill>
+        <p:spPr bwMode="auto">
+          <a:xfrm>
+            <a:off x="9768408" y="2973188"/>
+            <a:ext cx="2094778" cy="2880320"/>
+          </a:xfrm>
+          <a:prstGeom prst="rect">
+            <a:avLst/>
+          </a:prstGeom>
+          <a:noFill/>
+          <a:extLst>
+            <a:ext uri="{909E8E84-426E-40DD-AFC4-6F175D3DCCD1}">
+              <a14:hiddenFill xmlns:a14="http://schemas.microsoft.com/office/drawing/2010/main">
+                <a:solidFill>
+                  <a:srgbClr val="FFFFFF"/>
+                </a:solidFill>
+              </a14:hiddenFill>
+            </a:ext>
+          </a:extLst>
+        </p:spPr>
+      </p:pic>
+      <p:pic>
+        <p:nvPicPr>
+          <p:cNvPr id="3082" name="Picture 10" descr="Darcs-logo.png"/>
+          <p:cNvPicPr>
+            <a:picLocks noChangeAspect="1" noChangeArrowheads="1"/>
+          </p:cNvPicPr>
+          <p:nvPr/>
+        </p:nvPicPr>
+        <p:blipFill>
+          <a:blip r:embed="rId6">
+            <a:extLst>
+              <a:ext uri="{28A0092B-C50C-407E-A947-70E740481C1C}">
+                <a14:useLocalDpi xmlns:a14="http://schemas.microsoft.com/office/drawing/2010/main" val="0"/>
+              </a:ext>
+            </a:extLst>
+          </a:blip>
+          <a:srcRect/>
+          <a:stretch>
+            <a:fillRect/>
+          </a:stretch>
+        </p:blipFill>
+        <p:spPr bwMode="auto">
+          <a:xfrm>
+            <a:off x="4727054" y="4112532"/>
+            <a:ext cx="2305050" cy="752476"/>
+          </a:xfrm>
+          <a:prstGeom prst="rect">
+            <a:avLst/>
+          </a:prstGeom>
+          <a:noFill/>
+          <a:extLst>
+            <a:ext uri="{909E8E84-426E-40DD-AFC4-6F175D3DCCD1}">
+              <a14:hiddenFill xmlns:a14="http://schemas.microsoft.com/office/drawing/2010/main">
+                <a:solidFill>
+                  <a:srgbClr val="FFFFFF"/>
+                </a:solidFill>
+              </a14:hiddenFill>
+            </a:ext>
+          </a:extLst>
+        </p:spPr>
+      </p:pic>
+      <p:pic>
+        <p:nvPicPr>
+          <p:cNvPr id="3084" name="Picture 12" descr="Visual Studio 2012 logo and wordmark.svg"/>
+          <p:cNvPicPr>
+            <a:picLocks noChangeAspect="1" noChangeArrowheads="1"/>
+          </p:cNvPicPr>
+          <p:nvPr/>
+        </p:nvPicPr>
+        <p:blipFill>
+          <a:blip r:embed="rId7">
+            <a:extLst>
+              <a:ext uri="{28A0092B-C50C-407E-A947-70E740481C1C}">
+                <a14:useLocalDpi xmlns:a14="http://schemas.microsoft.com/office/drawing/2010/main" val="0"/>
+              </a:ext>
+            </a:extLst>
+          </a:blip>
+          <a:srcRect/>
+          <a:stretch>
+            <a:fillRect/>
+          </a:stretch>
+        </p:blipFill>
+        <p:spPr bwMode="auto">
+          <a:xfrm>
+            <a:off x="5087888" y="5259930"/>
+            <a:ext cx="3528392" cy="593578"/>
+          </a:xfrm>
+          <a:prstGeom prst="rect">
+            <a:avLst/>
+          </a:prstGeom>
+          <a:noFill/>
+          <a:extLst>
+            <a:ext uri="{909E8E84-426E-40DD-AFC4-6F175D3DCCD1}">
+              <a14:hiddenFill xmlns:a14="http://schemas.microsoft.com/office/drawing/2010/main">
+                <a:solidFill>
+                  <a:srgbClr val="FFFFFF"/>
+                </a:solidFill>
+              </a14:hiddenFill>
+            </a:ext>
+          </a:extLst>
+        </p:spPr>
+      </p:pic>
+      <p:pic>
+        <p:nvPicPr>
+          <p:cNvPr id="3086" name="Picture 14" descr="RationalSoftware.png"/>
+          <p:cNvPicPr>
+            <a:picLocks noChangeAspect="1" noChangeArrowheads="1"/>
+          </p:cNvPicPr>
+          <p:nvPr/>
+        </p:nvPicPr>
+        <p:blipFill>
+          <a:blip r:embed="rId8">
+            <a:extLst>
+              <a:ext uri="{28A0092B-C50C-407E-A947-70E740481C1C}">
+                <a14:useLocalDpi xmlns:a14="http://schemas.microsoft.com/office/drawing/2010/main" val="0"/>
+              </a:ext>
+            </a:extLst>
+          </a:blip>
+          <a:srcRect/>
+          <a:stretch>
+            <a:fillRect/>
+          </a:stretch>
+        </p:blipFill>
+        <p:spPr bwMode="auto">
+          <a:xfrm>
+            <a:off x="550863" y="3287240"/>
+            <a:ext cx="3009900" cy="695325"/>
+          </a:xfrm>
+          <a:prstGeom prst="rect">
+            <a:avLst/>
+          </a:prstGeom>
+          <a:noFill/>
+          <a:extLst>
+            <a:ext uri="{909E8E84-426E-40DD-AFC4-6F175D3DCCD1}">
+              <a14:hiddenFill xmlns:a14="http://schemas.microsoft.com/office/drawing/2010/main">
+                <a:solidFill>
+                  <a:srgbClr val="FFFFFF"/>
+                </a:solidFill>
+              </a14:hiddenFill>
+            </a:ext>
+          </a:extLst>
+        </p:spPr>
+      </p:pic>
+      <p:pic>
+        <p:nvPicPr>
+          <p:cNvPr id="3088" name="Picture 16" descr="Monotone-logo.png"/>
+          <p:cNvPicPr>
+            <a:picLocks noChangeAspect="1" noChangeArrowheads="1"/>
+          </p:cNvPicPr>
+          <p:nvPr/>
+        </p:nvPicPr>
+        <p:blipFill>
+          <a:blip r:embed="rId9">
+            <a:extLst>
+              <a:ext uri="{28A0092B-C50C-407E-A947-70E740481C1C}">
+                <a14:useLocalDpi xmlns:a14="http://schemas.microsoft.com/office/drawing/2010/main" val="0"/>
+              </a:ext>
+            </a:extLst>
+          </a:blip>
+          <a:srcRect/>
+          <a:stretch>
+            <a:fillRect/>
+          </a:stretch>
+        </p:blipFill>
+        <p:spPr bwMode="auto">
+          <a:xfrm>
+            <a:off x="551384" y="4184479"/>
+            <a:ext cx="1905000" cy="1600200"/>
+          </a:xfrm>
+          <a:prstGeom prst="rect">
+            <a:avLst/>
+          </a:prstGeom>
+          <a:noFill/>
+          <a:extLst>
+            <a:ext uri="{909E8E84-426E-40DD-AFC4-6F175D3DCCD1}">
+              <a14:hiddenFill xmlns:a14="http://schemas.microsoft.com/office/drawing/2010/main">
+                <a:solidFill>
+                  <a:srgbClr val="FFFFFF"/>
+                </a:solidFill>
+              </a14:hiddenFill>
+            </a:ext>
+          </a:extLst>
+        </p:spPr>
+      </p:pic>
+      <p:pic>
+        <p:nvPicPr>
+          <p:cNvPr id="3090" name="Picture 18" descr="Bazaar logo (software).svg"/>
+          <p:cNvPicPr>
+            <a:picLocks noChangeAspect="1" noChangeArrowheads="1"/>
+          </p:cNvPicPr>
+          <p:nvPr/>
+        </p:nvPicPr>
+        <p:blipFill>
+          <a:blip r:embed="rId10">
+            <a:extLst>
+              <a:ext uri="{28A0092B-C50C-407E-A947-70E740481C1C}">
+                <a14:useLocalDpi xmlns:a14="http://schemas.microsoft.com/office/drawing/2010/main" val="0"/>
+              </a:ext>
+            </a:extLst>
+          </a:blip>
+          <a:srcRect/>
+          <a:stretch>
+            <a:fillRect/>
+          </a:stretch>
+        </p:blipFill>
+        <p:spPr bwMode="auto">
+          <a:xfrm>
+            <a:off x="2748398" y="927217"/>
+            <a:ext cx="1806564" cy="1850670"/>
+          </a:xfrm>
+          <a:prstGeom prst="rect">
+            <a:avLst/>
+          </a:prstGeom>
+          <a:noFill/>
+          <a:extLst>
+            <a:ext uri="{909E8E84-426E-40DD-AFC4-6F175D3DCCD1}">
+              <a14:hiddenFill xmlns:a14="http://schemas.microsoft.com/office/drawing/2010/main">
+                <a:solidFill>
+                  <a:srgbClr val="FFFFFF"/>
+                </a:solidFill>
+              </a14:hiddenFill>
+            </a:ext>
+          </a:extLst>
+        </p:spPr>
+      </p:pic>
+      <p:pic>
+        <p:nvPicPr>
+          <p:cNvPr id="3092" name="Picture 20" descr="Logo von MediaWiki"/>
+          <p:cNvPicPr>
+            <a:picLocks noChangeAspect="1" noChangeArrowheads="1"/>
+          </p:cNvPicPr>
+          <p:nvPr/>
+        </p:nvPicPr>
+        <p:blipFill>
+          <a:blip r:embed="rId11">
+            <a:extLst>
+              <a:ext uri="{28A0092B-C50C-407E-A947-70E740481C1C}">
+                <a14:useLocalDpi xmlns:a14="http://schemas.microsoft.com/office/drawing/2010/main" val="0"/>
+              </a:ext>
+            </a:extLst>
+          </a:blip>
+          <a:srcRect/>
+          <a:stretch>
+            <a:fillRect/>
+          </a:stretch>
+        </p:blipFill>
+        <p:spPr bwMode="auto">
+          <a:xfrm>
+            <a:off x="2807066" y="4184479"/>
+            <a:ext cx="1507393" cy="1507394"/>
+          </a:xfrm>
+          <a:prstGeom prst="rect">
+            <a:avLst/>
+          </a:prstGeom>
+          <a:noFill/>
+          <a:extLst>
+            <a:ext uri="{909E8E84-426E-40DD-AFC4-6F175D3DCCD1}">
+              <a14:hiddenFill xmlns:a14="http://schemas.microsoft.com/office/drawing/2010/main">
+                <a:solidFill>
+                  <a:srgbClr val="FFFFFF"/>
+                </a:solidFill>
+              </a14:hiddenFill>
+            </a:ext>
+          </a:extLst>
+        </p:spPr>
+      </p:pic>
+      <p:pic>
+        <p:nvPicPr>
+          <p:cNvPr id="3094" name="Picture 22" descr="Heckert GNU white.svg"/>
+          <p:cNvPicPr>
+            <a:picLocks noChangeAspect="1" noChangeArrowheads="1"/>
+          </p:cNvPicPr>
+          <p:nvPr/>
+        </p:nvPicPr>
+        <p:blipFill>
+          <a:blip r:embed="rId12">
+            <a:extLst>
+              <a:ext uri="{28A0092B-C50C-407E-A947-70E740481C1C}">
+                <a14:useLocalDpi xmlns:a14="http://schemas.microsoft.com/office/drawing/2010/main" val="0"/>
+              </a:ext>
+            </a:extLst>
+          </a:blip>
+          <a:srcRect/>
+          <a:stretch>
+            <a:fillRect/>
+          </a:stretch>
+        </p:blipFill>
+        <p:spPr bwMode="auto">
+          <a:xfrm>
+            <a:off x="7402093" y="2605831"/>
+            <a:ext cx="1856544" cy="1814844"/>
           </a:xfrm>
           <a:prstGeom prst="rect">
             <a:avLst/>
@@ -45399,7 +45809,7 @@
       </p:sp>
       <p:sp>
         <p:nvSpPr>
-          <p:cNvPr id="4" name="Rechteck 3"/>
+          <p:cNvPr id="13" name="Rechteck 12"/>
           <p:cNvSpPr/>
           <p:nvPr>
             <p:custDataLst>
@@ -45459,7 +45869,7 @@
       </p:sp>
       <p:sp>
         <p:nvSpPr>
-          <p:cNvPr id="7" name="Rechteck 6"/>
+          <p:cNvPr id="14" name="Rechteck 13"/>
           <p:cNvSpPr/>
           <p:nvPr>
             <p:custDataLst>
@@ -45507,7 +45917,7 @@
       </p:sp>
       <p:sp>
         <p:nvSpPr>
-          <p:cNvPr id="8" name="Rechteck 7"/>
+          <p:cNvPr id="15" name="Rechteck 14"/>
           <p:cNvSpPr/>
           <p:nvPr>
             <p:custDataLst>
@@ -45568,7 +45978,7 @@
       </p:sp>
       <p:sp>
         <p:nvSpPr>
-          <p:cNvPr id="9" name="Rechteck 8"/>
+          <p:cNvPr id="16" name="Rechteck 15"/>
           <p:cNvSpPr/>
           <p:nvPr>
             <p:custDataLst>
@@ -45628,7 +46038,7 @@
       </p:sp>
       <p:sp>
         <p:nvSpPr>
-          <p:cNvPr id="10" name="Rechteck 9"/>
+          <p:cNvPr id="17" name="Rechteck 16"/>
           <p:cNvSpPr/>
           <p:nvPr>
             <p:custDataLst>
@@ -45676,7 +46086,7 @@
       </p:sp>
       <p:sp>
         <p:nvSpPr>
-          <p:cNvPr id="11" name="Rechteck 10"/>
+          <p:cNvPr id="18" name="Rechteck 17"/>
           <p:cNvSpPr/>
           <p:nvPr>
             <p:custDataLst>
@@ -45737,7 +46147,7 @@
       </p:sp>
       <p:sp>
         <p:nvSpPr>
-          <p:cNvPr id="12" name="Rechteck 11"/>
+          <p:cNvPr id="19" name="Rechteck 18"/>
           <p:cNvSpPr/>
           <p:nvPr>
             <p:custDataLst>
@@ -45797,7 +46207,7 @@
       </p:sp>
       <p:sp>
         <p:nvSpPr>
-          <p:cNvPr id="22" name="Rechteck 21"/>
+          <p:cNvPr id="20" name="Rechteck 19"/>
           <p:cNvSpPr/>
           <p:nvPr>
             <p:custDataLst>
@@ -45845,7 +46255,7 @@
       </p:sp>
       <p:sp>
         <p:nvSpPr>
-          <p:cNvPr id="23" name="Rechteck 22"/>
+          <p:cNvPr id="21" name="Rechteck 20"/>
           <p:cNvSpPr/>
           <p:nvPr>
             <p:custDataLst>
@@ -45906,7 +46316,7 @@
       </p:sp>
       <p:sp>
         <p:nvSpPr>
-          <p:cNvPr id="24" name="Rechteck 23"/>
+          <p:cNvPr id="27" name="Rechteck 26"/>
           <p:cNvSpPr/>
           <p:nvPr>
             <p:custDataLst>
@@ -45966,7 +46376,7 @@
       </p:sp>
       <p:sp>
         <p:nvSpPr>
-          <p:cNvPr id="25" name="Rechteck 24"/>
+          <p:cNvPr id="28" name="Rechteck 27"/>
           <p:cNvSpPr/>
           <p:nvPr>
             <p:custDataLst>
@@ -46014,7 +46424,7 @@
       </p:sp>
       <p:sp>
         <p:nvSpPr>
-          <p:cNvPr id="26" name="Rechteck 25"/>
+          <p:cNvPr id="29" name="Rechteck 28"/>
           <p:cNvSpPr/>
           <p:nvPr>
             <p:custDataLst>
@@ -46063,7 +46473,7 @@
                   <a:schemeClr val="tx1"/>
                 </a:solidFill>
               </a:rPr>
-              <a:t>20</a:t>
+              <a:t>18</a:t>
             </a:r>
             <a:endParaRPr lang="de-DE" sz="2000" dirty="0" err="1">
               <a:solidFill>
@@ -46242,7 +46652,7 @@
       </p:sp>
       <p:sp>
         <p:nvSpPr>
-          <p:cNvPr id="4" name="Rechteck 3"/>
+          <p:cNvPr id="13" name="Rechteck 12"/>
           <p:cNvSpPr/>
           <p:nvPr>
             <p:custDataLst>
@@ -46304,7 +46714,7 @@
       </p:sp>
       <p:sp>
         <p:nvSpPr>
-          <p:cNvPr id="7" name="Rechteck 6"/>
+          <p:cNvPr id="14" name="Rechteck 13"/>
           <p:cNvSpPr/>
           <p:nvPr>
             <p:custDataLst>
@@ -46352,7 +46762,7 @@
       </p:sp>
       <p:sp>
         <p:nvSpPr>
-          <p:cNvPr id="8" name="Rechteck 7"/>
+          <p:cNvPr id="15" name="Rechteck 14"/>
           <p:cNvSpPr/>
           <p:nvPr>
             <p:custDataLst>
@@ -46415,7 +46825,7 @@
       </p:sp>
       <p:sp>
         <p:nvSpPr>
-          <p:cNvPr id="9" name="Rechteck 8"/>
+          <p:cNvPr id="16" name="Rechteck 15"/>
           <p:cNvSpPr/>
           <p:nvPr>
             <p:custDataLst>
@@ -46475,7 +46885,7 @@
       </p:sp>
       <p:sp>
         <p:nvSpPr>
-          <p:cNvPr id="10" name="Rechteck 9"/>
+          <p:cNvPr id="17" name="Rechteck 16"/>
           <p:cNvSpPr/>
           <p:nvPr>
             <p:custDataLst>
@@ -46523,7 +46933,7 @@
       </p:sp>
       <p:sp>
         <p:nvSpPr>
-          <p:cNvPr id="11" name="Rechteck 10"/>
+          <p:cNvPr id="18" name="Rechteck 17"/>
           <p:cNvSpPr/>
           <p:nvPr>
             <p:custDataLst>
@@ -46584,7 +46994,7 @@
       </p:sp>
       <p:sp>
         <p:nvSpPr>
-          <p:cNvPr id="12" name="Rechteck 11"/>
+          <p:cNvPr id="19" name="Rechteck 18"/>
           <p:cNvSpPr/>
           <p:nvPr>
             <p:custDataLst>
@@ -46644,7 +47054,7 @@
       </p:sp>
       <p:sp>
         <p:nvSpPr>
-          <p:cNvPr id="22" name="Rechteck 21"/>
+          <p:cNvPr id="20" name="Rechteck 19"/>
           <p:cNvSpPr/>
           <p:nvPr>
             <p:custDataLst>
@@ -46692,7 +47102,7 @@
       </p:sp>
       <p:sp>
         <p:nvSpPr>
-          <p:cNvPr id="23" name="Rechteck 22"/>
+          <p:cNvPr id="21" name="Rechteck 20"/>
           <p:cNvSpPr/>
           <p:nvPr>
             <p:custDataLst>
@@ -46753,7 +47163,7 @@
       </p:sp>
       <p:sp>
         <p:nvSpPr>
-          <p:cNvPr id="24" name="Rechteck 23"/>
+          <p:cNvPr id="27" name="Rechteck 26"/>
           <p:cNvSpPr/>
           <p:nvPr>
             <p:custDataLst>
@@ -46813,7 +47223,7 @@
       </p:sp>
       <p:sp>
         <p:nvSpPr>
-          <p:cNvPr id="25" name="Rechteck 24"/>
+          <p:cNvPr id="28" name="Rechteck 27"/>
           <p:cNvSpPr/>
           <p:nvPr>
             <p:custDataLst>
@@ -46861,7 +47271,7 @@
       </p:sp>
       <p:sp>
         <p:nvSpPr>
-          <p:cNvPr id="26" name="Rechteck 25"/>
+          <p:cNvPr id="29" name="Rechteck 28"/>
           <p:cNvSpPr/>
           <p:nvPr>
             <p:custDataLst>
@@ -46910,7 +47320,7 @@
                   <a:schemeClr val="accent4"/>
                 </a:solidFill>
               </a:rPr>
-              <a:t>20</a:t>
+              <a:t>18</a:t>
             </a:r>
             <a:endParaRPr lang="de-DE" sz="2000" dirty="0" err="1">
               <a:solidFill>
@@ -47229,7 +47639,7 @@
       </p:sp>
       <p:sp>
         <p:nvSpPr>
-          <p:cNvPr id="4" name="Rechteck 3"/>
+          <p:cNvPr id="7" name="Rechteck 6"/>
           <p:cNvSpPr/>
           <p:nvPr>
             <p:custDataLst>
@@ -47289,7 +47699,7 @@
       </p:sp>
       <p:sp>
         <p:nvSpPr>
-          <p:cNvPr id="16" name="Rechteck 15"/>
+          <p:cNvPr id="8" name="Rechteck 7"/>
           <p:cNvSpPr/>
           <p:nvPr>
             <p:custDataLst>
@@ -47337,7 +47747,7 @@
       </p:sp>
       <p:sp>
         <p:nvSpPr>
-          <p:cNvPr id="17" name="Rechteck 16"/>
+          <p:cNvPr id="9" name="Rechteck 8"/>
           <p:cNvSpPr/>
           <p:nvPr>
             <p:custDataLst>
@@ -47398,7 +47808,7 @@
       </p:sp>
       <p:sp>
         <p:nvSpPr>
-          <p:cNvPr id="18" name="Rechteck 17"/>
+          <p:cNvPr id="10" name="Rechteck 9"/>
           <p:cNvSpPr/>
           <p:nvPr>
             <p:custDataLst>
@@ -47460,7 +47870,7 @@
       </p:sp>
       <p:sp>
         <p:nvSpPr>
-          <p:cNvPr id="19" name="Rechteck 18"/>
+          <p:cNvPr id="11" name="Rechteck 10"/>
           <p:cNvSpPr/>
           <p:nvPr>
             <p:custDataLst>
@@ -47508,7 +47918,7 @@
       </p:sp>
       <p:sp>
         <p:nvSpPr>
-          <p:cNvPr id="20" name="Rechteck 19"/>
+          <p:cNvPr id="12" name="Rechteck 11"/>
           <p:cNvSpPr/>
           <p:nvPr>
             <p:custDataLst>
@@ -47571,7 +47981,7 @@
       </p:sp>
       <p:sp>
         <p:nvSpPr>
-          <p:cNvPr id="21" name="Rechteck 20"/>
+          <p:cNvPr id="13" name="Rechteck 12"/>
           <p:cNvSpPr/>
           <p:nvPr>
             <p:custDataLst>
@@ -47631,7 +48041,7 @@
       </p:sp>
       <p:sp>
         <p:nvSpPr>
-          <p:cNvPr id="22" name="Rechteck 21"/>
+          <p:cNvPr id="14" name="Rechteck 13"/>
           <p:cNvSpPr/>
           <p:nvPr>
             <p:custDataLst>
@@ -47679,7 +48089,7 @@
       </p:sp>
       <p:sp>
         <p:nvSpPr>
-          <p:cNvPr id="23" name="Rechteck 22"/>
+          <p:cNvPr id="15" name="Rechteck 14"/>
           <p:cNvSpPr/>
           <p:nvPr>
             <p:custDataLst>
@@ -47740,7 +48150,7 @@
       </p:sp>
       <p:sp>
         <p:nvSpPr>
-          <p:cNvPr id="24" name="Rechteck 23"/>
+          <p:cNvPr id="27" name="Rechteck 26"/>
           <p:cNvSpPr/>
           <p:nvPr>
             <p:custDataLst>
@@ -47800,7 +48210,7 @@
       </p:sp>
       <p:sp>
         <p:nvSpPr>
-          <p:cNvPr id="25" name="Rechteck 24"/>
+          <p:cNvPr id="28" name="Rechteck 27"/>
           <p:cNvSpPr/>
           <p:nvPr>
             <p:custDataLst>
@@ -47848,7 +48258,7 @@
       </p:sp>
       <p:sp>
         <p:nvSpPr>
-          <p:cNvPr id="26" name="Rechteck 25"/>
+          <p:cNvPr id="29" name="Rechteck 28"/>
           <p:cNvSpPr/>
           <p:nvPr>
             <p:custDataLst>
@@ -47897,7 +48307,7 @@
                   <a:schemeClr val="accent4"/>
                 </a:solidFill>
               </a:rPr>
-              <a:t>20</a:t>
+              <a:t>18</a:t>
             </a:r>
             <a:endParaRPr lang="de-DE" sz="2000" dirty="0" err="1">
               <a:solidFill>
@@ -53447,7 +53857,7 @@
 <file path=ppt/tags/tag19.xml><?xml version="1.0" encoding="utf-8"?>
 <p:tagLst xmlns:a="http://schemas.openxmlformats.org/drawingml/2006/main" xmlns:r="http://schemas.openxmlformats.org/officeDocument/2006/relationships" xmlns:p="http://schemas.openxmlformats.org/presentationml/2006/main">
   <p:tag name="ISAGENDA" val="true"/>
-  <p:tag name="CUSTOMID" val="{401FFA6F-DCBF-483D-B10D-2FCAC8F44D2E}"/>
+  <p:tag name="CUSTOMID" val="{B93367EE-D45B-453F-A176-952731B43AF7}"/>
 </p:tagLst>
 </file>
 
@@ -53550,7 +53960,7 @@
 <file path=ppt/tags/tag32.xml><?xml version="1.0" encoding="utf-8"?>
 <p:tagLst xmlns:a="http://schemas.openxmlformats.org/drawingml/2006/main" xmlns:r="http://schemas.openxmlformats.org/officeDocument/2006/relationships" xmlns:p="http://schemas.openxmlformats.org/presentationml/2006/main">
   <p:tag name="ISAGENDA" val="true"/>
-  <p:tag name="CUSTOMID" val="{99AC6AA8-530D-464E-810A-5FECD97952C4}"/>
+  <p:tag name="CUSTOMID" val="{AC1B149A-D6DB-49AA-81D9-070E6089C105}"/>
 </p:tagLst>
 </file>
 
@@ -53647,7 +54057,7 @@
 <file path=ppt/tags/tag45.xml><?xml version="1.0" encoding="utf-8"?>
 <p:tagLst xmlns:a="http://schemas.openxmlformats.org/drawingml/2006/main" xmlns:r="http://schemas.openxmlformats.org/officeDocument/2006/relationships" xmlns:p="http://schemas.openxmlformats.org/presentationml/2006/main">
   <p:tag name="ISAGENDA" val="true"/>
-  <p:tag name="CUSTOMID" val="{4A32745E-5073-44F8-9633-40D06417FF95}"/>
+  <p:tag name="CUSTOMID" val="{27333A58-0FC4-4137-9CE4-C3452938C901}"/>
 </p:tagLst>
 </file>
 
@@ -53744,7 +54154,7 @@
 <file path=ppt/tags/tag58.xml><?xml version="1.0" encoding="utf-8"?>
 <p:tagLst xmlns:a="http://schemas.openxmlformats.org/drawingml/2006/main" xmlns:r="http://schemas.openxmlformats.org/officeDocument/2006/relationships" xmlns:p="http://schemas.openxmlformats.org/presentationml/2006/main">
   <p:tag name="ISAGENDA" val="true"/>
-  <p:tag name="CUSTOMID" val="{A6A3F1A7-70B8-4A6B-8F2F-832FC322DA8B}"/>
+  <p:tag name="CUSTOMID" val="{94FBCF53-B040-4A7D-BC65-B068C01D940A}"/>
 </p:tagLst>
 </file>
 
@@ -53758,7 +54168,7 @@
 <file path=ppt/tags/tag6.xml><?xml version="1.0" encoding="utf-8"?>
 <p:tagLst xmlns:a="http://schemas.openxmlformats.org/drawingml/2006/main" xmlns:r="http://schemas.openxmlformats.org/officeDocument/2006/relationships" xmlns:p="http://schemas.openxmlformats.org/presentationml/2006/main">
   <p:tag name="ISAGENDA" val="true"/>
-  <p:tag name="CUSTOMID" val="{5C78FB01-597E-4377-842B-D9435905BC3F}"/>
+  <p:tag name="CUSTOMID" val="{9D199031-5355-4117-9B57-898D366B9334}"/>
 </p:tagLst>
 </file>
 
@@ -54681,28 +55091,6 @@
 </file>
 
 <file path=customXml/item1.xml><?xml version="1.0" encoding="utf-8"?>
-<?mso-contentType ?>
-<FormTemplates xmlns="http://schemas.microsoft.com/sharepoint/v3/contenttype/forms">
-  <Display>DocumentLibraryForm</Display>
-  <Edit>DocumentLibraryForm</Edit>
-  <New>DocumentLibraryForm</New>
-</FormTemplates>
-</file>
-
-<file path=customXml/item2.xml><?xml version="1.0" encoding="utf-8"?>
-<qs:outline xmlns:qs="urn:strategyCompass:quickSlide:basic:outlineSlide:2014">
-  <qs:id>263</qs:id>
-  <qs:pageNr>15</qs:pageNr>
-  <qs:slideIndex>15</qs:slideIndex>
-  <qs:title>Befehle</qs:title>
-  <qs:navText/>
-  <qs:number>3.</qs:number>
-  <qs:position>3</qs:position>
-  <qs:level>0</qs:level>
-</qs:outline>
-</file>
-
-<file path=customXml/item3.xml><?xml version="1.0" encoding="utf-8"?>
 <ct:contentTypeSchema xmlns:ct="http://schemas.microsoft.com/office/2006/metadata/contentType" xmlns:ma="http://schemas.microsoft.com/office/2006/metadata/properties/metaAttributes" ct:_="" ma:_="" ma:contentTypeName="Document" ma:contentTypeID="0x0101000D0F58DE773C6D40A692DCE33C72DBBF" ma:contentTypeVersion="1" ma:contentTypeDescription="Create a new document." ma:contentTypeScope="" ma:versionID="366fe772d641758865a68112bec7ac05">
   <xsd:schema xmlns:xsd="http://www.w3.org/2001/XMLSchema" xmlns:xs="http://www.w3.org/2001/XMLSchema" xmlns:p="http://schemas.microsoft.com/office/2006/metadata/properties" xmlns:ns2="7bf896f9-b70e-484a-9b07-51e01ab96261" targetNamespace="http://schemas.microsoft.com/office/2006/metadata/properties" ma:root="true" ma:fieldsID="4b73471d5d2a18e8e5c1441683c27c4d" ns2:_="">
     <xsd:import namespace="7bf896f9-b70e-484a-9b07-51e01ab96261"/>
@@ -54835,7 +55223,16 @@
 </ct:contentTypeSchema>
 </file>
 
-<file path=customXml/item4.xml><?xml version="1.0" encoding="utf-8"?>
+<file path=customXml/item2.xml><?xml version="1.0" encoding="utf-8"?>
+<?mso-contentType ?>
+<FormTemplates xmlns="http://schemas.microsoft.com/sharepoint/v3/contenttype/forms">
+  <Display>DocumentLibraryForm</Display>
+  <Edit>DocumentLibraryForm</Edit>
+  <New>DocumentLibraryForm</New>
+</FormTemplates>
+</file>
+
+<file path=customXml/item3.xml><?xml version="1.0" encoding="utf-8"?>
 <p:properties xmlns:p="http://schemas.microsoft.com/office/2006/metadata/properties" xmlns:xsi="http://www.w3.org/2001/XMLSchema-instance" xmlns:pc="http://schemas.microsoft.com/office/infopath/2007/PartnerControls">
   <documentManagement>
     <Vorschau xmlns="7bf896f9-b70e-484a-9b07-51e01ab96261">
@@ -54846,7 +55243,26 @@
 </p:properties>
 </file>
 
+<file path=customXml/item4.xml><?xml version="1.0" encoding="utf-8"?>
+<qs:outline xmlns:qs="urn:strategyCompass:quickSlide:basic:outlineOverview:2014">
+  <qs:id>261</qs:id>
+</qs:outline>
+</file>
+
 <file path=customXml/item5.xml><?xml version="1.0" encoding="utf-8"?>
+<qs:outline xmlns:qs="urn:strategyCompass:quickSlide:basic:outlineSlide:2014">
+  <qs:id>262</qs:id>
+  <qs:pageNr>3</qs:pageNr>
+  <qs:slideIndex>3</qs:slideIndex>
+  <qs:title>Geschichte</qs:title>
+  <qs:navText/>
+  <qs:number>1.</qs:number>
+  <qs:position>1</qs:position>
+  <qs:level>0</qs:level>
+</qs:outline>
+</file>
+
+<file path=customXml/item6.xml><?xml version="1.0" encoding="utf-8"?>
 <qs:outline xmlns:qs="urn:strategyCompass:quickSlide:basic:outlineSlide:2014">
   <qs:id>266</qs:id>
   <qs:pageNr>5</qs:pageNr>
@@ -54859,26 +55275,33 @@
 </qs:outline>
 </file>
 
-<file path=customXml/item6.xml><?xml version="1.0" encoding="utf-8"?>
+<file path=customXml/item7.xml><?xml version="1.0" encoding="utf-8"?>
 <qs:outline xmlns:qs="urn:strategyCompass:quickSlide:basic:outlineSlide:2014">
-  <qs:id>262</qs:id>
-  <qs:pageNr>3</qs:pageNr>
-  <qs:slideIndex>3</qs:slideIndex>
-  <qs:title>Geschichte</qs:title>
+  <qs:id>263</qs:id>
+  <qs:pageNr>15</qs:pageNr>
+  <qs:slideIndex>15</qs:slideIndex>
+  <qs:title>Befehle</qs:title>
   <qs:navText/>
-  <qs:number>1.</qs:number>
-  <qs:position>1</qs:position>
+  <qs:number>3.</qs:number>
+  <qs:position>3</qs:position>
   <qs:level>0</qs:level>
 </qs:outline>
 </file>
 
-<file path=customXml/item7.xml><?xml version="1.0" encoding="utf-8"?>
-<qs:outline xmlns:qs="urn:strategyCompass:quickSlide:basic:outlineOverview:2014">
-  <qs:id>261</qs:id>
+<file path=customXml/item8.xml><?xml version="1.0" encoding="utf-8"?>
+<qs:outline xmlns:qs="urn:strategyCompass:quickSlide:basic:outlineSlide:2014">
+  <qs:id>282</qs:id>
+  <qs:pageNr>18</qs:pageNr>
+  <qs:slideIndex>18</qs:slideIndex>
+  <qs:title>Andere Versionsverwaltungen</qs:title>
+  <qs:navText/>
+  <qs:number>4.</qs:number>
+  <qs:position>4</qs:position>
+  <qs:level>0</qs:level>
 </qs:outline>
 </file>
 
-<file path=customXml/item8.xml><?xml version="1.0" encoding="utf-8"?>
+<file path=customXml/item9.xml><?xml version="1.0" encoding="utf-8"?>
 <qs:outline xmlns:qs="urn:strategyCompass:quickSlide:basic:outline:2014">
   <qs:settings>
     <qs:designID>QuickSlideAgendaA</qs:designID>
@@ -54934,8 +55357,8 @@
   </qs:chapter>
   <qs:chapter>
     <qs:id>282</qs:id>
-    <qs:pageNr>20</qs:pageNr>
-    <qs:slideIndex>22</qs:slideIndex>
+    <qs:pageNr>18</qs:pageNr>
+    <qs:slideIndex>20</qs:slideIndex>
     <qs:title>Andere Versionsverwaltungen</qs:title>
     <qs:navText/>
     <qs:number>4.</qs:number>
@@ -54945,36 +55368,7 @@
 </qs:outline>
 </file>
 
-<file path=customXml/item9.xml><?xml version="1.0" encoding="utf-8"?>
-<qs:outline xmlns:qs="urn:strategyCompass:quickSlide:basic:outlineSlide:2014">
-  <qs:id>282</qs:id>
-  <qs:pageNr>0</qs:pageNr>
-  <qs:slideIndex>0</qs:slideIndex>
-  <qs:title>Andere Versionsverwaltungen</qs:title>
-  <qs:navText/>
-  <qs:number>4.</qs:number>
-  <qs:position>4</qs:position>
-  <qs:level>0</qs:level>
-</qs:outline>
-</file>
-
 <file path=customXml/itemProps1.xml><?xml version="1.0" encoding="utf-8"?>
-<ds:datastoreItem xmlns:ds="http://schemas.openxmlformats.org/officeDocument/2006/customXml" ds:itemID="{43F9EFE3-7271-4746-8DD6-AD339C2BE3BB}">
-  <ds:schemaRefs>
-    <ds:schemaRef ds:uri="http://schemas.microsoft.com/sharepoint/v3/contenttype/forms"/>
-  </ds:schemaRefs>
-</ds:datastoreItem>
-</file>
-
-<file path=customXml/itemProps2.xml><?xml version="1.0" encoding="utf-8"?>
-<ds:datastoreItem xmlns:ds="http://schemas.openxmlformats.org/officeDocument/2006/customXml" ds:itemID="{4A32745E-5073-44F8-9633-40D06417FF95}">
-  <ds:schemaRefs>
-    <ds:schemaRef ds:uri="urn:strategyCompass:quickSlide:basic:outlineSlide:2014"/>
-  </ds:schemaRefs>
-</ds:datastoreItem>
-</file>
-
-<file path=customXml/itemProps3.xml><?xml version="1.0" encoding="utf-8"?>
 <ds:datastoreItem xmlns:ds="http://schemas.openxmlformats.org/officeDocument/2006/customXml" ds:itemID="{D6F1E390-B81E-4B68-85EA-B2180E59F3C5}">
   <ds:schemaRefs>
     <ds:schemaRef ds:uri="http://schemas.microsoft.com/office/2006/metadata/contentType"/>
@@ -54992,7 +55386,15 @@
 </ds:datastoreItem>
 </file>
 
-<file path=customXml/itemProps4.xml><?xml version="1.0" encoding="utf-8"?>
+<file path=customXml/itemProps2.xml><?xml version="1.0" encoding="utf-8"?>
+<ds:datastoreItem xmlns:ds="http://schemas.openxmlformats.org/officeDocument/2006/customXml" ds:itemID="{43F9EFE3-7271-4746-8DD6-AD339C2BE3BB}">
+  <ds:schemaRefs>
+    <ds:schemaRef ds:uri="http://schemas.microsoft.com/sharepoint/v3/contenttype/forms"/>
+  </ds:schemaRefs>
+</ds:datastoreItem>
+</file>
+
+<file path=customXml/itemProps3.xml><?xml version="1.0" encoding="utf-8"?>
 <ds:datastoreItem xmlns:ds="http://schemas.openxmlformats.org/officeDocument/2006/customXml" ds:itemID="{3C100AEC-2EA3-41D8-B5F7-E45B6FDC1C2D}">
   <ds:schemaRefs>
     <ds:schemaRef ds:uri="http://purl.org/dc/terms/"/>
@@ -55008,8 +55410,16 @@
 </ds:datastoreItem>
 </file>
 
+<file path=customXml/itemProps4.xml><?xml version="1.0" encoding="utf-8"?>
+<ds:datastoreItem xmlns:ds="http://schemas.openxmlformats.org/officeDocument/2006/customXml" ds:itemID="{9D199031-5355-4117-9B57-898D366B9334}">
+  <ds:schemaRefs>
+    <ds:schemaRef ds:uri="urn:strategyCompass:quickSlide:basic:outlineOverview:2014"/>
+  </ds:schemaRefs>
+</ds:datastoreItem>
+</file>
+
 <file path=customXml/itemProps5.xml><?xml version="1.0" encoding="utf-8"?>
-<ds:datastoreItem xmlns:ds="http://schemas.openxmlformats.org/officeDocument/2006/customXml" ds:itemID="{99AC6AA8-530D-464E-810A-5FECD97952C4}">
+<ds:datastoreItem xmlns:ds="http://schemas.openxmlformats.org/officeDocument/2006/customXml" ds:itemID="{B93367EE-D45B-453F-A176-952731B43AF7}">
   <ds:schemaRefs>
     <ds:schemaRef ds:uri="urn:strategyCompass:quickSlide:basic:outlineSlide:2014"/>
   </ds:schemaRefs>
@@ -55017,7 +55427,7 @@
 </file>
 
 <file path=customXml/itemProps6.xml><?xml version="1.0" encoding="utf-8"?>
-<ds:datastoreItem xmlns:ds="http://schemas.openxmlformats.org/officeDocument/2006/customXml" ds:itemID="{401FFA6F-DCBF-483D-B10D-2FCAC8F44D2E}">
+<ds:datastoreItem xmlns:ds="http://schemas.openxmlformats.org/officeDocument/2006/customXml" ds:itemID="{AC1B149A-D6DB-49AA-81D9-070E6089C105}">
   <ds:schemaRefs>
     <ds:schemaRef ds:uri="urn:strategyCompass:quickSlide:basic:outlineSlide:2014"/>
   </ds:schemaRefs>
@@ -55025,25 +55435,25 @@
 </file>
 
 <file path=customXml/itemProps7.xml><?xml version="1.0" encoding="utf-8"?>
-<ds:datastoreItem xmlns:ds="http://schemas.openxmlformats.org/officeDocument/2006/customXml" ds:itemID="{5C78FB01-597E-4377-842B-D9435905BC3F}">
+<ds:datastoreItem xmlns:ds="http://schemas.openxmlformats.org/officeDocument/2006/customXml" ds:itemID="{27333A58-0FC4-4137-9CE4-C3452938C901}">
   <ds:schemaRefs>
-    <ds:schemaRef ds:uri="urn:strategyCompass:quickSlide:basic:outlineOverview:2014"/>
+    <ds:schemaRef ds:uri="urn:strategyCompass:quickSlide:basic:outlineSlide:2014"/>
   </ds:schemaRefs>
 </ds:datastoreItem>
 </file>
 
 <file path=customXml/itemProps8.xml><?xml version="1.0" encoding="utf-8"?>
-<ds:datastoreItem xmlns:ds="http://schemas.openxmlformats.org/officeDocument/2006/customXml" ds:itemID="{D8BBCCBA-B707-486C-BE93-BBA971F0BBA0}">
+<ds:datastoreItem xmlns:ds="http://schemas.openxmlformats.org/officeDocument/2006/customXml" ds:itemID="{94FBCF53-B040-4A7D-BC65-B068C01D940A}">
   <ds:schemaRefs>
-    <ds:schemaRef ds:uri="urn:strategyCompass:quickSlide:basic:outline:2014"/>
+    <ds:schemaRef ds:uri="urn:strategyCompass:quickSlide:basic:outlineSlide:2014"/>
   </ds:schemaRefs>
 </ds:datastoreItem>
 </file>
 
 <file path=customXml/itemProps9.xml><?xml version="1.0" encoding="utf-8"?>
-<ds:datastoreItem xmlns:ds="http://schemas.openxmlformats.org/officeDocument/2006/customXml" ds:itemID="{A6A3F1A7-70B8-4A6B-8F2F-832FC322DA8B}">
+<ds:datastoreItem xmlns:ds="http://schemas.openxmlformats.org/officeDocument/2006/customXml" ds:itemID="{EA3CCF7F-11BD-4D68-81C7-53CBE07DD655}">
   <ds:schemaRefs>
-    <ds:schemaRef ds:uri="urn:strategyCompass:quickSlide:basic:outlineSlide:2014"/>
+    <ds:schemaRef ds:uri="urn:strategyCompass:quickSlide:basic:outline:2014"/>
   </ds:schemaRefs>
 </ds:datastoreItem>
 </file>